--- a/week11_ensemble.pptx
+++ b/week11_ensemble.pptx
@@ -6402,7 +6402,7 @@
                             </p:stCondLst>
                             <p:childTnLst>
                               <p:par>
-                                <p:cTn id="5" presetID="1" presetClass="entr" presetSubtype="0" fill="hold" nodeType="clickEffect">
+                                <p:cTn id="5" presetID="1" presetClass="entr" presetSubtype="0" fill="hold" grpId="0" nodeType="clickEffect">
                                   <p:stCondLst>
                                     <p:cond delay="0"/>
                                   </p:stCondLst>
@@ -6415,11 +6415,7 @@
                                           </p:stCondLst>
                                         </p:cTn>
                                         <p:tgtEl>
-                                          <p:spTgt spid="5">
-                                            <p:txEl>
-                                              <p:pRg st="0" end="0"/>
-                                            </p:txEl>
-                                          </p:spTgt>
+                                          <p:spTgt spid="8"/>
                                         </p:tgtEl>
                                         <p:attrNameLst>
                                           <p:attrName>style.visibility</p:attrName>
@@ -6459,6 +6455,9 @@
         </p:cTn>
       </p:par>
     </p:tnLst>
+    <p:bldLst>
+      <p:bldP spid="8" grpId="0"/>
+    </p:bldLst>
   </p:timing>
 </p:sld>
 </file>
@@ -8258,33 +8257,6 @@
                                   </p:childTnLst>
                                 </p:cTn>
                               </p:par>
-                              <p:par>
-                                <p:cTn id="7" presetID="1" presetClass="entr" presetSubtype="0" fill="hold" grpId="0" nodeType="withEffect">
-                                  <p:stCondLst>
-                                    <p:cond delay="0"/>
-                                  </p:stCondLst>
-                                  <p:childTnLst>
-                                    <p:set>
-                                      <p:cBhvr>
-                                        <p:cTn id="8" dur="1" fill="hold">
-                                          <p:stCondLst>
-                                            <p:cond delay="0"/>
-                                          </p:stCondLst>
-                                        </p:cTn>
-                                        <p:tgtEl>
-                                          <p:spTgt spid="5"/>
-                                        </p:tgtEl>
-                                        <p:attrNameLst>
-                                          <p:attrName>style.visibility</p:attrName>
-                                        </p:attrNameLst>
-                                      </p:cBhvr>
-                                      <p:to>
-                                        <p:strVal val="visible"/>
-                                      </p:to>
-                                    </p:set>
-                                  </p:childTnLst>
-                                </p:cTn>
-                              </p:par>
                             </p:childTnLst>
                           </p:cTn>
                         </p:par>
@@ -8292,71 +8264,26 @@
                     </p:cTn>
                   </p:par>
                   <p:par>
-                    <p:cTn id="9" fill="hold">
+                    <p:cTn id="7" fill="hold">
                       <p:stCondLst>
                         <p:cond delay="indefinite"/>
                       </p:stCondLst>
                       <p:childTnLst>
                         <p:par>
-                          <p:cTn id="10" fill="hold">
+                          <p:cTn id="8" fill="hold">
                             <p:stCondLst>
                               <p:cond delay="0"/>
                             </p:stCondLst>
                             <p:childTnLst>
                               <p:par>
-                                <p:cTn id="11" presetID="1" presetClass="entr" presetSubtype="0" fill="hold" nodeType="clickEffect">
+                                <p:cTn id="9" presetID="1" presetClass="entr" presetSubtype="0" fill="hold" nodeType="clickEffect">
                                   <p:stCondLst>
                                     <p:cond delay="0"/>
                                   </p:stCondLst>
                                   <p:childTnLst>
                                     <p:set>
                                       <p:cBhvr>
-                                        <p:cTn id="12" dur="1" fill="hold">
-                                          <p:stCondLst>
-                                            <p:cond delay="0"/>
-                                          </p:stCondLst>
-                                        </p:cTn>
-                                        <p:tgtEl>
-                                          <p:spTgt spid="7"/>
-                                        </p:tgtEl>
-                                        <p:attrNameLst>
-                                          <p:attrName>style.visibility</p:attrName>
-                                        </p:attrNameLst>
-                                      </p:cBhvr>
-                                      <p:to>
-                                        <p:strVal val="visible"/>
-                                      </p:to>
-                                    </p:set>
-                                  </p:childTnLst>
-                                </p:cTn>
-                              </p:par>
-                            </p:childTnLst>
-                          </p:cTn>
-                        </p:par>
-                      </p:childTnLst>
-                    </p:cTn>
-                  </p:par>
-                  <p:par>
-                    <p:cTn id="13" fill="hold">
-                      <p:stCondLst>
-                        <p:cond delay="indefinite"/>
-                      </p:stCondLst>
-                      <p:childTnLst>
-                        <p:par>
-                          <p:cTn id="14" fill="hold">
-                            <p:stCondLst>
-                              <p:cond delay="0"/>
-                            </p:stCondLst>
-                            <p:childTnLst>
-                              <p:par>
-                                <p:cTn id="15" presetID="1" presetClass="entr" presetSubtype="0" fill="hold" nodeType="clickEffect">
-                                  <p:stCondLst>
-                                    <p:cond delay="0"/>
-                                  </p:stCondLst>
-                                  <p:childTnLst>
-                                    <p:set>
-                                      <p:cBhvr>
-                                        <p:cTn id="16" dur="1" fill="hold">
+                                        <p:cTn id="10" dur="1" fill="hold">
                                           <p:stCondLst>
                                             <p:cond delay="0"/>
                                           </p:stCondLst>
@@ -8386,26 +8313,26 @@
                     </p:cTn>
                   </p:par>
                   <p:par>
-                    <p:cTn id="17" fill="hold">
+                    <p:cTn id="11" fill="hold">
                       <p:stCondLst>
                         <p:cond delay="indefinite"/>
                       </p:stCondLst>
                       <p:childTnLst>
                         <p:par>
-                          <p:cTn id="18" fill="hold">
+                          <p:cTn id="12" fill="hold">
                             <p:stCondLst>
                               <p:cond delay="0"/>
                             </p:stCondLst>
                             <p:childTnLst>
                               <p:par>
-                                <p:cTn id="19" presetID="1" presetClass="entr" presetSubtype="0" fill="hold" nodeType="clickEffect">
+                                <p:cTn id="13" presetID="1" presetClass="entr" presetSubtype="0" fill="hold" nodeType="clickEffect">
                                   <p:stCondLst>
                                     <p:cond delay="0"/>
                                   </p:stCondLst>
                                   <p:childTnLst>
                                     <p:set>
                                       <p:cBhvr>
-                                        <p:cTn id="20" dur="1" fill="hold">
+                                        <p:cTn id="14" dur="1" fill="hold">
                                           <p:stCondLst>
                                             <p:cond delay="0"/>
                                           </p:stCondLst>
@@ -8456,7 +8383,6 @@
       </p:par>
     </p:tnLst>
     <p:bldLst>
-      <p:bldP spid="5" grpId="0"/>
       <p:bldP spid="5" grpId="1"/>
     </p:bldLst>
   </p:timing>
@@ -9595,8 +9521,8 @@
         </p:blipFill>
         <p:spPr>
           <a:xfrm>
-            <a:off x="7588885" y="2183765"/>
-            <a:ext cx="3702050" cy="1880235"/>
+            <a:off x="7149465" y="2282825"/>
+            <a:ext cx="4512945" cy="2292350"/>
           </a:xfrm>
           <a:prstGeom prst="rect">
             <a:avLst/>

--- a/week11_ensemble.pptx
+++ b/week11_ensemble.pptx
@@ -3025,7 +3025,7 @@
               </a:rPr>
             </a:br>
             <a:r>
-              <a:rPr lang="" altLang="en-US" sz="5400" b="1">
+              <a:rPr lang="en-US" altLang="en-US" sz="5400" b="1">
                 <a:solidFill>
                   <a:schemeClr val="tx1"/>
                 </a:solidFill>
@@ -3045,7 +3045,7 @@
               </a:rPr>
               <a:t>集成算法</a:t>
             </a:r>
-            <a:endParaRPr lang="" altLang="en-US" sz="5400" b="1">
+            <a:endParaRPr lang="en-US" altLang="en-US" sz="5400" b="1">
               <a:solidFill>
                 <a:schemeClr val="tx1"/>
               </a:solidFill>
@@ -3323,10 +3323,14 @@
           <a:bodyPr/>
           <a:p>
             <a:r>
-              <a:rPr lang="en-US" altLang="en-US" sz="3600" b="1"/>
-              <a:t>随机森林（Random Forest）生成步骤</a:t>
-            </a:r>
-            <a:endParaRPr lang="en-US" altLang="en-US" sz="3600" b="1"/>
+              <a:rPr lang="en-US" altLang="en-US" sz="3200" b="1">
+                <a:sym typeface="+mn-ea"/>
+              </a:rPr>
+              <a:t>基于决策树的随机森林（Random Forest）生成步骤</a:t>
+            </a:r>
+            <a:endParaRPr lang="en-US" altLang="en-US" sz="3200" b="1">
+              <a:sym typeface="+mn-ea"/>
+            </a:endParaRPr>
           </a:p>
         </p:txBody>
       </p:sp>
@@ -3361,31 +3365,31 @@
               <a:buNone/>
             </a:pPr>
             <a:r>
-              <a:rPr lang="en-US" altLang="en-US" sz="1800">
+              <a:rPr lang="en-US" altLang="en-US" sz="1800" b="1">
                 <a:sym typeface="+mn-ea"/>
               </a:rPr>
               <a:t>2. </a:t>
             </a:r>
             <a:r>
-              <a:rPr lang="en-US" sz="1800">
+              <a:rPr lang="en-US" sz="1800" b="1">
                 <a:sym typeface="+mn-ea"/>
               </a:rPr>
               <a:t>将</a:t>
             </a:r>
             <a:r>
-              <a:rPr lang="en-US" altLang="en-US" sz="1800">
+              <a:rPr lang="en-US" altLang="en-US" sz="1800" b="1">
                 <a:sym typeface="+mn-ea"/>
               </a:rPr>
               <a:t>子</a:t>
             </a:r>
             <a:r>
-              <a:rPr lang="en-US" sz="1800">
+              <a:rPr lang="en-US" sz="1800" b="1">
                 <a:sym typeface="+mn-ea"/>
               </a:rPr>
               <a:t>数据放到每个子决策树中，每个子决策树输出一个结果</a:t>
             </a:r>
             <a:r>
-              <a:rPr lang="en-US" altLang="en-US" sz="1800">
+              <a:rPr lang="en-US" altLang="en-US" sz="1800" b="1">
                 <a:sym typeface="+mn-ea"/>
               </a:rPr>
               <a:t>。</a:t>
@@ -3432,45 +3436,7 @@
               <a:rPr lang="en-US" altLang="en-US" sz="1800">
                 <a:sym typeface="+mn-ea"/>
               </a:rPr>
-              <a:t>也可以随机选取（子树的每一个分裂过程并未用到所有的特征，而是随机选取一部分特征。这使得森林中的每棵树更彼此不同）</a:t>
-            </a:r>
-            <a:endParaRPr lang="en-US" altLang="en-US" sz="1800">
-              <a:sym typeface="+mn-ea"/>
-            </a:endParaRPr>
-          </a:p>
-          <a:p>
-            <a:pPr marL="0" indent="0">
-              <a:lnSpc>
-                <a:spcPct val="120000"/>
-              </a:lnSpc>
-              <a:spcAft>
-                <a:spcPts val="0"/>
-              </a:spcAft>
-              <a:buNone/>
-            </a:pPr>
-            <a:endParaRPr lang="en-US" altLang="en-US" sz="1800"/>
-          </a:p>
-          <a:p>
-            <a:pPr marL="0" indent="0">
-              <a:lnSpc>
-                <a:spcPct val="120000"/>
-              </a:lnSpc>
-              <a:spcAft>
-                <a:spcPts val="0"/>
-              </a:spcAft>
-              <a:buNone/>
-            </a:pPr>
-            <a:r>
-              <a:rPr lang="en-US" altLang="en-US" sz="1800">
-                <a:sym typeface="+mn-ea"/>
-              </a:rPr>
-              <a:t>此时随机树的生长更加随机，因此</a:t>
-            </a:r>
-            <a:r>
-              <a:rPr lang="en-US" altLang="en-US" sz="1800">
-                <a:sym typeface="+mn-ea"/>
-              </a:rPr>
-              <a:t>称为极端随机树集成(</a:t>
+              <a:t>也可以随机选取（子树的分裂未用到所有的特征，而是随机选取一部分特征。这使得森林中的每棵树更彼此不同）。此时随机树的生长更加随机，称为极端随机树集成(</a:t>
             </a:r>
             <a:r>
               <a:rPr lang="en-US" altLang="en-US" sz="1800" b="1">
@@ -3514,19 +3480,7 @@
               <a:rPr lang="en-US" altLang="en-US" sz="1800">
                 <a:sym typeface="+mn-ea"/>
               </a:rPr>
-              <a:t>而且，Extra-Trees时训练的速度也加快，因为</a:t>
-            </a:r>
-            <a:r>
-              <a:rPr lang="en-US" altLang="en-US" sz="1800">
-                <a:sym typeface="+mn-ea"/>
-              </a:rPr>
-              <a:t>分裂时</a:t>
-            </a:r>
-            <a:r>
-              <a:rPr lang="en-US" altLang="en-US" sz="1800">
-                <a:sym typeface="+mn-ea"/>
-              </a:rPr>
-              <a:t>寻找特征的最佳阈值是决策树生成中最耗时的步骤之一。</a:t>
+              <a:t>注：Extra-Trees可以加快训练速度。因为分裂时寻找特征的最佳阈值是决策树生成中最耗时的步骤之一。</a:t>
             </a:r>
             <a:endParaRPr lang="en-US" altLang="en-US" sz="1800"/>
           </a:p>
@@ -3716,55 +3670,6 @@
                       </p:childTnLst>
                     </p:cTn>
                   </p:par>
-                  <p:par>
-                    <p:cTn id="15" fill="hold">
-                      <p:stCondLst>
-                        <p:cond delay="indefinite"/>
-                      </p:stCondLst>
-                      <p:childTnLst>
-                        <p:par>
-                          <p:cTn id="16" fill="hold">
-                            <p:stCondLst>
-                              <p:cond delay="0"/>
-                            </p:stCondLst>
-                            <p:childTnLst>
-                              <p:par>
-                                <p:cTn id="17" presetID="1" presetClass="entr" presetSubtype="0" fill="hold" nodeType="clickEffect">
-                                  <p:stCondLst>
-                                    <p:cond delay="0"/>
-                                  </p:stCondLst>
-                                  <p:childTnLst>
-                                    <p:set>
-                                      <p:cBhvr>
-                                        <p:cTn id="18" dur="1" fill="hold">
-                                          <p:stCondLst>
-                                            <p:cond delay="0"/>
-                                          </p:stCondLst>
-                                        </p:cTn>
-                                        <p:tgtEl>
-                                          <p:spTgt spid="7">
-                                            <p:txEl>
-                                              <p:pRg st="6" end="6"/>
-                                            </p:txEl>
-                                          </p:spTgt>
-                                        </p:tgtEl>
-                                        <p:attrNameLst>
-                                          <p:attrName>style.visibility</p:attrName>
-                                        </p:attrNameLst>
-                                      </p:cBhvr>
-                                      <p:to>
-                                        <p:strVal val="visible"/>
-                                      </p:to>
-                                    </p:set>
-                                  </p:childTnLst>
-                                </p:cTn>
-                              </p:par>
-                            </p:childTnLst>
-                          </p:cTn>
-                        </p:par>
-                      </p:childTnLst>
-                    </p:cTn>
-                  </p:par>
                 </p:childTnLst>
               </p:cTn>
               <p:prevCondLst>
@@ -3815,10 +3720,14 @@
           <a:bodyPr/>
           <a:p>
             <a:r>
-              <a:rPr lang="en-US" altLang="en-US" sz="3600" b="1"/>
-              <a:t>随机森林（Random Forest）生成步骤</a:t>
-            </a:r>
-            <a:endParaRPr lang="en-US" altLang="en-US" sz="3600" b="1"/>
+              <a:rPr lang="en-US" altLang="en-US" sz="3200" b="1">
+                <a:sym typeface="+mn-ea"/>
+              </a:rPr>
+              <a:t>基于决策树的随机森林（Random Forest）生成步骤</a:t>
+            </a:r>
+            <a:endParaRPr lang="en-US" altLang="en-US" sz="3200" b="1">
+              <a:sym typeface="+mn-ea"/>
+            </a:endParaRPr>
           </a:p>
         </p:txBody>
       </p:sp>
@@ -3852,7 +3761,7 @@
               </a:spcAft>
               <a:buNone/>
             </a:pPr>
-            <a:endParaRPr lang="en-US" altLang="en-US" sz="1800"/>
+            <a:endParaRPr lang="en-US" altLang="en-US" sz="1800" b="1"/>
           </a:p>
           <a:p>
             <a:pPr marL="0" indent="0">
@@ -3865,18 +3774,14 @@
               <a:buNone/>
             </a:pPr>
             <a:r>
-              <a:rPr lang="" sz="1800"/>
+              <a:rPr lang="en-US" sz="1800" b="1"/>
               <a:t>3.</a:t>
             </a:r>
             <a:r>
-              <a:rPr lang="en-US" altLang="en-US" sz="1800"/>
-              <a:t> 投票得到结果</a:t>
-            </a:r>
-            <a:r>
-              <a:rPr lang="" altLang="en-US" sz="1800"/>
-              <a:t>。</a:t>
-            </a:r>
-            <a:endParaRPr lang="" altLang="en-US" sz="1800"/>
+              <a:rPr lang="en-US" altLang="en-US" sz="1800" b="1"/>
+              <a:t> 投票得到结果。</a:t>
+            </a:r>
+            <a:endParaRPr lang="en-US" altLang="en-US" sz="1800" b="1"/>
           </a:p>
         </p:txBody>
       </p:sp>
@@ -4016,10 +3921,10 @@
           <a:bodyPr/>
           <a:p>
             <a:r>
-              <a:rPr lang="" altLang="en-US" sz="3600" b="1"/>
+              <a:rPr lang="en-US" altLang="en-US" sz="3600" b="1"/>
               <a:t>优点</a:t>
             </a:r>
-            <a:endParaRPr lang="" altLang="en-US" sz="3600" b="1"/>
+            <a:endParaRPr lang="en-US" altLang="en-US" sz="3600" b="1"/>
           </a:p>
         </p:txBody>
       </p:sp>
@@ -4060,30 +3965,10 @@
               <a:t>抗过拟合能力</a:t>
             </a:r>
             <a:r>
-              <a:rPr lang="" altLang="en-US" sz="1600" b="1">
+              <a:rPr lang="en-US" altLang="en-US" sz="1600" b="1">
                 <a:sym typeface="+mn-ea"/>
               </a:rPr>
               <a:t>：</a:t>
-            </a:r>
-            <a:endParaRPr lang="en-US" sz="1600">
-              <a:sym typeface="+mn-ea"/>
-            </a:endParaRPr>
-          </a:p>
-          <a:p>
-            <a:pPr marL="0" indent="0">
-              <a:lnSpc>
-                <a:spcPct val="120000"/>
-              </a:lnSpc>
-              <a:spcAft>
-                <a:spcPts val="0"/>
-              </a:spcAft>
-              <a:buNone/>
-            </a:pPr>
-            <a:r>
-              <a:rPr lang="en-US" sz="1600">
-                <a:sym typeface="+mn-ea"/>
-              </a:rPr>
-              <a:t>    每个树选取使用的特征时，都是从全部特征中随机产生的，本身已经降低了过拟合的风险和趋势。</a:t>
             </a:r>
             <a:endParaRPr lang="en-US" sz="1600">
               <a:sym typeface="+mn-ea"/>
@@ -4106,7 +3991,7 @@
               <a:t>    </a:t>
             </a:r>
             <a:r>
-              <a:rPr lang="" altLang="en-US" sz="1600">
+              <a:rPr lang="en-US" altLang="en-US" sz="1600">
                 <a:sym typeface="+mn-ea"/>
               </a:rPr>
               <a:t>引入</a:t>
@@ -4118,7 +4003,7 @@
               <a:t>随机性</a:t>
             </a:r>
             <a:r>
-              <a:rPr lang="" altLang="en-US" sz="1600">
+              <a:rPr lang="en-US" altLang="en-US" sz="1600">
                 <a:sym typeface="+mn-ea"/>
               </a:rPr>
               <a:t>，</a:t>
@@ -4130,7 +4015,7 @@
               <a:t>控制</a:t>
             </a:r>
             <a:r>
-              <a:rPr lang="" altLang="en-US" sz="1600">
+              <a:rPr lang="en-US" altLang="en-US" sz="1600">
                 <a:sym typeface="+mn-ea"/>
               </a:rPr>
               <a:t>了</a:t>
@@ -4139,7 +4024,7 @@
               <a:rPr lang="en-US" sz="1600">
                 <a:sym typeface="+mn-ea"/>
               </a:rPr>
-              <a:t>模型的拟合能力不会无限提高。</a:t>
+              <a:t>模型的拟合能力不会无限提高。    </a:t>
             </a:r>
             <a:endParaRPr lang="en-US" sz="1600">
               <a:sym typeface="+mn-ea"/>
@@ -4155,7 +4040,13 @@
               </a:spcAft>
               <a:buNone/>
             </a:pPr>
-            <a:endParaRPr lang="" altLang="en-US" sz="1600">
+            <a:r>
+              <a:rPr lang="en-US" sz="1600">
+                <a:sym typeface="+mn-ea"/>
+              </a:rPr>
+              <a:t>    </a:t>
+            </a:r>
+            <a:endParaRPr lang="en-US" altLang="en-US" sz="1600">
               <a:sym typeface="+mn-ea"/>
             </a:endParaRPr>
           </a:p>
@@ -4170,7 +4061,7 @@
               <a:buNone/>
             </a:pPr>
             <a:r>
-              <a:rPr lang="" altLang="en-US" sz="1600" b="1">
+              <a:rPr lang="en-US" altLang="en-US" sz="1600" b="1">
                 <a:sym typeface="+mn-ea"/>
               </a:rPr>
               <a:t>精准：</a:t>
@@ -4230,7 +4121,7 @@
               <a:t>其他优点</a:t>
             </a:r>
             <a:r>
-              <a:rPr lang="" altLang="en-US" sz="1600" b="1">
+              <a:rPr lang="en-US" altLang="en-US" sz="1600" b="1">
                 <a:sym typeface="+mn-ea"/>
               </a:rPr>
               <a:t>：</a:t>
@@ -4256,7 +4147,7 @@
               <a:t>    由于随机性的引入，具有一定的</a:t>
             </a:r>
             <a:r>
-              <a:rPr lang="" altLang="en-US" sz="1600" b="1">
+              <a:rPr lang="en-US" altLang="en-US" sz="1600" b="1">
                 <a:sym typeface="+mn-ea"/>
               </a:rPr>
               <a:t>抗</a:t>
@@ -4274,7 +4165,7 @@
               <a:t>能力</a:t>
             </a:r>
             <a:r>
-              <a:rPr lang="" altLang="en-US" sz="1600">
+              <a:rPr lang="en-US" altLang="en-US" sz="1600">
                 <a:sym typeface="+mn-ea"/>
               </a:rPr>
               <a:t>。</a:t>
@@ -4350,12 +4241,12 @@
               <a:t>方法</a:t>
             </a:r>
             <a:r>
-              <a:rPr lang="" altLang="en-US" sz="1600">
+              <a:rPr lang="en-US" altLang="en-US" sz="1600">
                 <a:sym typeface="+mn-ea"/>
               </a:rPr>
               <a:t>。</a:t>
             </a:r>
-            <a:endParaRPr lang="" altLang="en-US" sz="1600">
+            <a:endParaRPr lang="en-US" altLang="en-US" sz="1600">
               <a:sym typeface="+mn-ea"/>
             </a:endParaRPr>
           </a:p>
@@ -4377,7 +4268,7 @@
         </p:blipFill>
         <p:spPr>
           <a:xfrm>
-            <a:off x="7047230" y="2647315"/>
+            <a:off x="7047230" y="2353945"/>
             <a:ext cx="4381500" cy="3143885"/>
           </a:xfrm>
           <a:prstGeom prst="rect">
@@ -4407,14 +4298,14 @@
           </a:bodyPr>
           <a:p>
             <a:r>
-              <a:rPr lang="" altLang="en-US" b="1"/>
+              <a:rPr lang="en-US" altLang="en-US" b="1"/>
               <a:t>思考：</a:t>
             </a:r>
             <a:r>
-              <a:rPr lang="" altLang="en-US"/>
+              <a:rPr lang="en-US" altLang="en-US"/>
               <a:t>自然中，多样化的树木品种构成完善的生态系统，功能不是一种单一的树木所能比拟。</a:t>
             </a:r>
-            <a:endParaRPr lang="" altLang="en-US"/>
+            <a:endParaRPr lang="en-US" altLang="en-US"/>
           </a:p>
         </p:txBody>
       </p:sp>
@@ -4606,7 +4497,7 @@
                                         <p:tgtEl>
                                           <p:spTgt spid="7">
                                             <p:txEl>
-                                              <p:pRg st="4" end="4"/>
+                                              <p:pRg st="3" end="3"/>
                                             </p:txEl>
                                           </p:spTgt>
                                         </p:tgtEl>
@@ -4655,7 +4546,7 @@
                                         <p:tgtEl>
                                           <p:spTgt spid="7">
                                             <p:txEl>
-                                              <p:pRg st="5" end="5"/>
+                                              <p:pRg st="4" end="4"/>
                                             </p:txEl>
                                           </p:spTgt>
                                         </p:tgtEl>
@@ -4704,7 +4595,7 @@
                                         <p:tgtEl>
                                           <p:spTgt spid="7">
                                             <p:txEl>
-                                              <p:pRg st="7" end="7"/>
+                                              <p:pRg st="6" end="6"/>
                                             </p:txEl>
                                           </p:spTgt>
                                         </p:tgtEl>
@@ -4753,7 +4644,7 @@
                                         <p:tgtEl>
                                           <p:spTgt spid="7">
                                             <p:txEl>
-                                              <p:pRg st="8" end="8"/>
+                                              <p:pRg st="7" end="7"/>
                                             </p:txEl>
                                           </p:spTgt>
                                         </p:tgtEl>
@@ -4802,7 +4693,7 @@
                                         <p:tgtEl>
                                           <p:spTgt spid="7">
                                             <p:txEl>
-                                              <p:pRg st="9" end="9"/>
+                                              <p:pRg st="8" end="8"/>
                                             </p:txEl>
                                           </p:spTgt>
                                         </p:tgtEl>
@@ -4851,7 +4742,7 @@
                                         <p:tgtEl>
                                           <p:spTgt spid="7">
                                             <p:txEl>
-                                              <p:pRg st="10" end="10"/>
+                                              <p:pRg st="9" end="9"/>
                                             </p:txEl>
                                           </p:spTgt>
                                         </p:tgtEl>
@@ -4954,7 +4845,7 @@
               </a:lnSpc>
             </a:pPr>
             <a:r>
-              <a:rPr lang="" altLang="en-US" sz="6600" b="1">
+              <a:rPr lang="en-US" altLang="en-US" sz="6600" b="1">
                 <a:solidFill>
                   <a:schemeClr val="tx1"/>
                 </a:solidFill>
@@ -4974,7 +4865,7 @@
               </a:rPr>
               <a:t>AdaBoost</a:t>
             </a:r>
-            <a:endParaRPr lang="" altLang="en-US" sz="6600" b="1">
+            <a:endParaRPr lang="en-US" altLang="en-US" sz="6600" b="1">
               <a:solidFill>
                 <a:schemeClr val="tx1"/>
               </a:solidFill>
@@ -5058,10 +4949,10 @@
               <a:t>自适应</a:t>
             </a:r>
             <a:r>
-              <a:rPr lang="" altLang="en-US" sz="3600" b="1"/>
+              <a:rPr lang="en-US" altLang="en-US" sz="3600" b="1"/>
               <a:t>提升法（AdaBoost）</a:t>
             </a:r>
-            <a:endParaRPr lang="" altLang="en-US" sz="3600" b="1"/>
+            <a:endParaRPr lang="en-US" altLang="en-US" sz="3600" b="1"/>
           </a:p>
         </p:txBody>
       </p:sp>
@@ -5096,12 +4987,12 @@
               <a:buNone/>
             </a:pPr>
             <a:r>
-              <a:rPr lang="" altLang="en-US" sz="1800" b="1">
+              <a:rPr lang="en-US" altLang="en-US" sz="1800" b="1">
                 <a:sym typeface="+mn-ea"/>
               </a:rPr>
               <a:t>思想：用新预测器对之前预测器的错误进行纠正。</a:t>
             </a:r>
-            <a:endParaRPr lang="" altLang="en-US" sz="1800">
+            <a:endParaRPr lang="en-US" altLang="en-US" sz="1800">
               <a:sym typeface="+mn-ea"/>
             </a:endParaRPr>
           </a:p>
@@ -5115,7 +5006,7 @@
               </a:spcAft>
               <a:buNone/>
             </a:pPr>
-            <a:endParaRPr lang="" altLang="en-US" sz="1800"/>
+            <a:endParaRPr lang="en-US" altLang="en-US" sz="1800"/>
           </a:p>
           <a:p>
             <a:pPr marL="0" indent="0">
@@ -5128,10 +5019,10 @@
               <a:buNone/>
             </a:pPr>
             <a:r>
-              <a:rPr lang="" altLang="en-US" sz="1800"/>
+              <a:rPr lang="en-US" altLang="en-US" sz="1800"/>
               <a:t>首先要训练一个基础分类器（比如决策树），用它对训练集进行预测。</a:t>
             </a:r>
-            <a:endParaRPr lang="" altLang="en-US" sz="1800"/>
+            <a:endParaRPr lang="en-US" altLang="en-US" sz="1800"/>
           </a:p>
           <a:p>
             <a:pPr marL="0" indent="0">
@@ -5143,7 +5034,7 @@
               </a:spcAft>
               <a:buNone/>
             </a:pPr>
-            <a:endParaRPr lang="" altLang="en-US" sz="1800"/>
+            <a:endParaRPr lang="en-US" altLang="en-US" sz="1800"/>
           </a:p>
           <a:p>
             <a:pPr marL="0" indent="0">
@@ -5156,10 +5047,18 @@
               <a:buNone/>
             </a:pPr>
             <a:r>
-              <a:rPr lang="" altLang="en-US" sz="1800"/>
-              <a:t>然后对错误分类的训练实例增加其相对权重，接着使用这个更新后的权重提供给第二个分类器进行训练。</a:t>
-            </a:r>
-            <a:endParaRPr lang="" altLang="en-US" sz="1800"/>
+              <a:rPr lang="en-US" altLang="en-US" sz="1800"/>
+              <a:t>然后</a:t>
+            </a:r>
+            <a:r>
+              <a:rPr lang="en-US" altLang="en-US" sz="1800" b="1"/>
+              <a:t>对错误分类的训练实例增加其相对权重</a:t>
+            </a:r>
+            <a:r>
+              <a:rPr lang="en-US" altLang="en-US" sz="1800"/>
+              <a:t>，接着使用这个更新后的权重提供给第二个分类器进行训练。</a:t>
+            </a:r>
+            <a:endParaRPr lang="en-US" altLang="en-US" sz="1800"/>
           </a:p>
           <a:p>
             <a:pPr marL="0" indent="0">
@@ -5171,7 +5070,7 @@
               </a:spcAft>
               <a:buNone/>
             </a:pPr>
-            <a:endParaRPr lang="" altLang="en-US" sz="1800"/>
+            <a:endParaRPr lang="en-US" altLang="en-US" sz="1800"/>
           </a:p>
           <a:p>
             <a:pPr marL="0" indent="0">
@@ -5184,10 +5083,10 @@
               <a:buNone/>
             </a:pPr>
             <a:r>
-              <a:rPr lang="" altLang="en-US" sz="1800"/>
+              <a:rPr lang="en-US" altLang="en-US" sz="1800"/>
               <a:t>再次预测，继续更新权重，不断循环向前，。。。</a:t>
             </a:r>
-            <a:endParaRPr lang="" altLang="en-US" sz="1800"/>
+            <a:endParaRPr lang="en-US" altLang="en-US" sz="1800"/>
           </a:p>
           <a:p>
             <a:pPr marL="0" indent="0">
@@ -5199,7 +5098,7 @@
               </a:spcAft>
               <a:buNone/>
             </a:pPr>
-            <a:endParaRPr lang="" altLang="en-US" sz="1800"/>
+            <a:endParaRPr lang="en-US" altLang="en-US" sz="1800"/>
           </a:p>
           <a:p>
             <a:pPr marL="0" indent="0">
@@ -5211,7 +5110,7 @@
               </a:spcAft>
               <a:buNone/>
             </a:pPr>
-            <a:endParaRPr lang="" altLang="en-US" sz="1800"/>
+            <a:endParaRPr lang="en-US" altLang="en-US" sz="1800"/>
           </a:p>
         </p:txBody>
       </p:sp>
@@ -5542,10 +5441,10 @@
               <a:buNone/>
             </a:pPr>
             <a:r>
-              <a:rPr lang="" altLang="en-US" sz="1800"/>
-              <a:t>用 AdaBoost 可以得到很多预测器。</a:t>
-            </a:r>
-            <a:endParaRPr lang="" altLang="en-US" sz="1800"/>
+              <a:rPr lang="en-US" altLang="en-US" sz="1800"/>
+              <a:t>这样，用 AdaBoost 可以得到很多预测器。</a:t>
+            </a:r>
+            <a:endParaRPr lang="en-US" altLang="en-US" sz="1800"/>
           </a:p>
           <a:p>
             <a:pPr marL="0" indent="0">
@@ -5557,7 +5456,7 @@
               </a:spcAft>
               <a:buNone/>
             </a:pPr>
-            <a:endParaRPr lang="" altLang="en-US" sz="1800"/>
+            <a:endParaRPr lang="en-US" altLang="en-US" sz="1800"/>
           </a:p>
           <a:p>
             <a:pPr marL="0" indent="0">
@@ -5569,7 +5468,7 @@
               </a:spcAft>
               <a:buNone/>
             </a:pPr>
-            <a:endParaRPr lang="" altLang="en-US" sz="1800"/>
+            <a:endParaRPr lang="en-US" altLang="en-US" sz="1800"/>
           </a:p>
           <a:p>
             <a:pPr marL="0" indent="0">
@@ -5581,7 +5480,7 @@
               </a:spcAft>
               <a:buNone/>
             </a:pPr>
-            <a:endParaRPr lang="" altLang="en-US" sz="1800"/>
+            <a:endParaRPr lang="en-US" altLang="en-US" sz="1800"/>
           </a:p>
           <a:p>
             <a:pPr marL="0" indent="0">
@@ -5594,10 +5493,10 @@
               <a:buNone/>
             </a:pPr>
             <a:r>
-              <a:rPr lang="" altLang="en-US" sz="1800"/>
+              <a:rPr lang="en-US" altLang="en-US" sz="1800"/>
               <a:t>之后，再把它们集成起来作预测。</a:t>
             </a:r>
-            <a:endParaRPr lang="" altLang="en-US" sz="1800"/>
+            <a:endParaRPr lang="en-US" altLang="en-US" sz="1800"/>
           </a:p>
           <a:p>
             <a:pPr marL="0" indent="0">
@@ -5609,7 +5508,7 @@
               </a:spcAft>
               <a:buNone/>
             </a:pPr>
-            <a:endParaRPr lang="" altLang="en-US" sz="1800"/>
+            <a:endParaRPr lang="en-US" altLang="en-US" sz="1800"/>
           </a:p>
           <a:p>
             <a:pPr marL="0" indent="0">
@@ -5621,7 +5520,7 @@
               </a:spcAft>
               <a:buNone/>
             </a:pPr>
-            <a:endParaRPr lang="" altLang="en-US" sz="1800"/>
+            <a:endParaRPr lang="en-US" altLang="en-US" sz="1800"/>
           </a:p>
           <a:p>
             <a:pPr marL="0" indent="0">
@@ -5634,18 +5533,18 @@
               <a:buNone/>
             </a:pPr>
             <a:r>
-              <a:rPr lang="" altLang="en-US" sz="1800"/>
+              <a:rPr lang="en-US" altLang="en-US" sz="1800"/>
               <a:t>集成时可以对不同的预测器</a:t>
             </a:r>
             <a:r>
-              <a:rPr lang="" altLang="en-US" sz="1800" b="1"/>
+              <a:rPr lang="en-US" altLang="en-US" sz="1800" b="1"/>
               <a:t>加权</a:t>
             </a:r>
             <a:r>
-              <a:rPr lang="" altLang="en-US" sz="1800"/>
+              <a:rPr lang="en-US" altLang="en-US" sz="1800"/>
               <a:t>（让分类效果好的弱分类器具有较大的权重，而分类效果差的分类器具有较小的权重）</a:t>
             </a:r>
-            <a:endParaRPr lang="" altLang="en-US" sz="1800"/>
+            <a:endParaRPr lang="en-US" altLang="en-US" sz="1800"/>
           </a:p>
           <a:p>
             <a:pPr marL="0" indent="0">
@@ -5657,7 +5556,7 @@
               </a:spcAft>
               <a:buNone/>
             </a:pPr>
-            <a:endParaRPr lang="" altLang="en-US" sz="1800"/>
+            <a:endParaRPr lang="en-US" altLang="en-US" sz="1800"/>
           </a:p>
           <a:p>
             <a:pPr marL="0" indent="0">
@@ -5669,7 +5568,7 @@
               </a:spcAft>
               <a:buNone/>
             </a:pPr>
-            <a:endParaRPr lang="" altLang="en-US" sz="1800"/>
+            <a:endParaRPr lang="en-US" altLang="en-US" sz="1800"/>
           </a:p>
         </p:txBody>
       </p:sp>
@@ -5907,12 +5806,12 @@
           <a:bodyPr/>
           <a:p>
             <a:r>
-              <a:rPr lang="" altLang="en-US" sz="3600" b="1">
+              <a:rPr lang="en-US" altLang="en-US" sz="3600" b="1">
                 <a:sym typeface="+mn-ea"/>
               </a:rPr>
               <a:t>AdaBoost优缺点</a:t>
             </a:r>
-            <a:endParaRPr lang="" altLang="en-US" sz="3600" b="1"/>
+            <a:endParaRPr lang="en-US" altLang="en-US" sz="3600" b="1"/>
           </a:p>
         </p:txBody>
       </p:sp>
@@ -5947,7 +5846,7 @@
               <a:buNone/>
             </a:pPr>
             <a:r>
-              <a:rPr lang="" b="1">
+              <a:rPr lang="en-US" b="1">
                 <a:solidFill>
                   <a:srgbClr val="00B050"/>
                 </a:solidFill>
@@ -5978,14 +5877,14 @@
               <a:t> </a:t>
             </a:r>
             <a:r>
-              <a:rPr lang="">
+              <a:rPr lang="en-US">
                 <a:solidFill>
                   <a:srgbClr val="00B050"/>
                 </a:solidFill>
               </a:rPr>
               <a:t>是一种精度很高的分类器</a:t>
             </a:r>
-            <a:endParaRPr lang="">
+            <a:endParaRPr lang="en-US">
               <a:solidFill>
                 <a:srgbClr val="00B050"/>
               </a:solidFill>
@@ -6001,14 +5900,14 @@
               </a:spcAft>
             </a:pPr>
             <a:r>
-              <a:rPr lang="">
+              <a:rPr lang="en-US">
                 <a:solidFill>
                   <a:srgbClr val="00B050"/>
                 </a:solidFill>
               </a:rPr>
               <a:t> 使用很多简单分类器时，结果可理解</a:t>
             </a:r>
-            <a:endParaRPr lang="">
+            <a:endParaRPr lang="en-US">
               <a:solidFill>
                 <a:srgbClr val="00B050"/>
               </a:solidFill>
@@ -6024,14 +5923,14 @@
               </a:spcAft>
             </a:pPr>
             <a:r>
-              <a:rPr lang="">
+              <a:rPr lang="en-US">
                 <a:solidFill>
                   <a:srgbClr val="00B050"/>
                 </a:solidFill>
               </a:rPr>
               <a:t> 不易过拟合</a:t>
             </a:r>
-            <a:endParaRPr lang="">
+            <a:endParaRPr lang="en-US">
               <a:solidFill>
                 <a:srgbClr val="00B050"/>
               </a:solidFill>
@@ -6047,7 +5946,7 @@
               </a:spcAft>
               <a:buNone/>
             </a:pPr>
-            <a:endParaRPr lang="">
+            <a:endParaRPr lang="en-US">
               <a:solidFill>
                 <a:srgbClr val="00B050"/>
               </a:solidFill>
@@ -6063,7 +5962,7 @@
               </a:spcAft>
               <a:buNone/>
             </a:pPr>
-            <a:endParaRPr lang="">
+            <a:endParaRPr lang="en-US">
               <a:solidFill>
                 <a:srgbClr val="00B050"/>
               </a:solidFill>
@@ -6267,7 +6166,7 @@
               <a:buNone/>
             </a:pPr>
             <a:r>
-              <a:rPr lang="" altLang="en-US" b="1">
+              <a:rPr lang="en-US" altLang="en-US" b="1">
                 <a:solidFill>
                   <a:srgbClr val="FF0000"/>
                 </a:solidFill>
@@ -6306,7 +6205,7 @@
               <a:t>对异常样本敏感</a:t>
             </a:r>
             <a:r>
-              <a:rPr lang="" altLang="en-US">
+              <a:rPr lang="en-US" altLang="en-US">
                 <a:solidFill>
                   <a:srgbClr val="FF0000"/>
                 </a:solidFill>
@@ -6322,14 +6221,14 @@
               <a:t>异常样本在迭代中可能会获得较高的权重，影响最终的强学习器的预测准确性</a:t>
             </a:r>
             <a:r>
-              <a:rPr lang="" altLang="en-US">
+              <a:rPr lang="en-US" altLang="en-US">
                 <a:solidFill>
                   <a:srgbClr val="FF0000"/>
                 </a:solidFill>
               </a:rPr>
               <a:t>）</a:t>
             </a:r>
-            <a:endParaRPr lang="" altLang="en-US">
+            <a:endParaRPr lang="en-US" altLang="en-US">
               <a:solidFill>
                 <a:srgbClr val="FF0000"/>
               </a:solidFill>
@@ -6345,7 +6244,7 @@
               </a:spcAft>
             </a:pPr>
             <a:r>
-              <a:rPr lang="" altLang="en-US">
+              <a:rPr lang="en-US" altLang="en-US">
                 <a:solidFill>
                   <a:srgbClr val="FF0000"/>
                 </a:solidFill>
@@ -6519,7 +6418,7 @@
               </a:lnSpc>
             </a:pPr>
             <a:r>
-              <a:rPr lang="" altLang="en-US" sz="6600" b="1">
+              <a:rPr lang="en-US" altLang="en-US" sz="6600" b="1">
                 <a:solidFill>
                   <a:schemeClr val="tx1"/>
                 </a:solidFill>
@@ -6539,7 +6438,7 @@
               </a:rPr>
               <a:t>梯度提升</a:t>
             </a:r>
-            <a:endParaRPr lang="" altLang="en-US" sz="6600" b="1">
+            <a:endParaRPr lang="en-US" altLang="en-US" sz="6600" b="1">
               <a:solidFill>
                 <a:schemeClr val="tx1"/>
               </a:solidFill>
@@ -6617,22 +6516,14 @@
           <a:bodyPr/>
           <a:p>
             <a:r>
-              <a:rPr lang="" altLang="en-US" sz="3600" b="1">
+              <a:rPr lang="en-US" altLang="en-US" sz="3600" b="1">
                 <a:sym typeface="+mn-ea"/>
               </a:rPr>
               <a:t>梯度</a:t>
             </a:r>
             <a:r>
               <a:rPr lang="en-US" altLang="en-US" sz="3600" b="1"/>
-              <a:t>提升法（</a:t>
-            </a:r>
-            <a:r>
-              <a:rPr lang="" altLang="en-US" sz="3600" b="1"/>
-              <a:t>Gradient Boosting</a:t>
-            </a:r>
-            <a:r>
-              <a:rPr lang="en-US" altLang="en-US" sz="3600" b="1"/>
-              <a:t>）</a:t>
+              <a:t>提升法（Gradient Boosting）</a:t>
             </a:r>
             <a:endParaRPr lang="en-US" altLang="en-US" sz="3600" b="1"/>
           </a:p>
@@ -6669,10 +6560,10 @@
               <a:buNone/>
             </a:pPr>
             <a:r>
-              <a:rPr lang="" altLang="en-US" sz="1800"/>
+              <a:rPr lang="en-US" altLang="en-US" sz="1800"/>
               <a:t>类似于AdaBoost，也是不断调整预测器。</a:t>
             </a:r>
-            <a:endParaRPr lang="" altLang="en-US" sz="1800"/>
+            <a:endParaRPr lang="en-US" altLang="en-US" sz="1800"/>
           </a:p>
           <a:p>
             <a:pPr marL="0" indent="0">
@@ -6684,7 +6575,7 @@
               </a:spcAft>
               <a:buNone/>
             </a:pPr>
-            <a:endParaRPr lang="" altLang="en-US" sz="1800"/>
+            <a:endParaRPr lang="en-US" altLang="en-US" sz="1800"/>
           </a:p>
           <a:p>
             <a:pPr marL="0" indent="0">
@@ -6697,10 +6588,30 @@
               <a:buNone/>
             </a:pPr>
             <a:r>
-              <a:rPr lang="" altLang="en-US" sz="1800"/>
-              <a:t>区别在于，调整是基于上一个预测器预测的残差（y 与 y_predict 的差异）。新预测器试图拟合这个残差。</a:t>
-            </a:r>
-            <a:endParaRPr lang="" altLang="en-US" sz="1800"/>
+              <a:rPr lang="en-US" altLang="en-US" sz="1800"/>
+              <a:t>区别在于，</a:t>
+            </a:r>
+            <a:r>
+              <a:rPr lang="en-US" altLang="en-US" sz="1800" b="1"/>
+              <a:t>调整是基于上一个预测器预测的</a:t>
+            </a:r>
+            <a:r>
+              <a:rPr lang="en-US" altLang="en-US" sz="1800" b="1">
+                <a:solidFill>
+                  <a:srgbClr val="FF0000"/>
+                </a:solidFill>
+              </a:rPr>
+              <a:t>残差</a:t>
+            </a:r>
+            <a:r>
+              <a:rPr lang="en-US" altLang="en-US" sz="1800" b="1"/>
+              <a:t>（y 与 y_predict 的差异）</a:t>
+            </a:r>
+            <a:r>
+              <a:rPr lang="en-US" altLang="en-US" sz="1800"/>
+              <a:t>。新预测器试图拟合这个残差。</a:t>
+            </a:r>
+            <a:endParaRPr lang="en-US" altLang="en-US" sz="1800"/>
           </a:p>
           <a:p>
             <a:pPr marL="0" indent="0">
@@ -6712,7 +6623,7 @@
               </a:spcAft>
               <a:buNone/>
             </a:pPr>
-            <a:endParaRPr lang="" altLang="en-US" sz="1800"/>
+            <a:endParaRPr lang="en-US" altLang="en-US" sz="1800"/>
           </a:p>
           <a:p>
             <a:pPr marL="0" indent="0">
@@ -6725,18 +6636,18 @@
               <a:buNone/>
             </a:pPr>
             <a:r>
-              <a:rPr lang="" altLang="en-US" sz="1800"/>
+              <a:rPr lang="en-US" altLang="en-US" sz="1800"/>
               <a:t>用梯度提升集合的决策树简称 </a:t>
             </a:r>
             <a:r>
-              <a:rPr lang="" altLang="en-US" sz="1800" b="1"/>
+              <a:rPr lang="en-US" altLang="en-US" sz="1800" b="1"/>
               <a:t>GBDT(Gradient Boosting Decision Tree)</a:t>
             </a:r>
             <a:r>
-              <a:rPr lang="" altLang="en-US" sz="1800"/>
+              <a:rPr lang="en-US" altLang="en-US" sz="1800"/>
               <a:t>。</a:t>
             </a:r>
-            <a:endParaRPr lang="" altLang="en-US" sz="1800"/>
+            <a:endParaRPr lang="en-US" altLang="en-US" sz="1800"/>
           </a:p>
           <a:p>
             <a:pPr marL="0" indent="0">
@@ -6954,28 +6865,16 @@
               <a:buNone/>
             </a:pPr>
             <a:r>
-              <a:rPr lang="" altLang="en-US" sz="1800"/>
-              <a:t>GB </a:t>
-            </a:r>
-            <a:r>
               <a:rPr lang="en-US" altLang="en-US" sz="1800"/>
-              <a:t>也是一种非常流行的集成算法。</a:t>
-            </a:r>
-            <a:r>
-              <a:rPr lang="" altLang="en-US" sz="1800"/>
-              <a:t>当然，它也存在</a:t>
+              <a:t>GB 也是一种非常流行的集成算法。当然，它也存在</a:t>
             </a:r>
             <a:r>
               <a:rPr lang="en-US" altLang="en-US" sz="1800" b="1"/>
               <a:t>难以并行</a:t>
             </a:r>
             <a:r>
-              <a:rPr lang="" altLang="en-US" sz="1800"/>
-              <a:t>的缺点</a:t>
-            </a:r>
-            <a:r>
               <a:rPr lang="en-US" altLang="en-US" sz="1800"/>
-              <a:t>。</a:t>
+              <a:t>的缺点。</a:t>
             </a:r>
             <a:endParaRPr lang="en-US" altLang="en-US" sz="1800"/>
           </a:p>
@@ -7861,13 +7760,9 @@
           <a:p>
             <a:r>
               <a:rPr lang="en-US" altLang="en-US" sz="3600" b="1"/>
-              <a:t>sklearn </a:t>
-            </a:r>
-            <a:r>
-              <a:rPr lang="" altLang="en-US" sz="3600" b="1"/>
-              <a:t>实现三种集成算法</a:t>
-            </a:r>
-            <a:endParaRPr lang="" altLang="en-US" sz="3600" b="1">
+              <a:t>sklearn 实现三种集成算法</a:t>
+            </a:r>
+            <a:endParaRPr lang="en-US" altLang="en-US" sz="3600" b="1">
               <a:solidFill>
                 <a:srgbClr val="C00000"/>
               </a:solidFill>
@@ -7909,7 +7804,7 @@
               </a:rPr>
               <a:t>from sklearn import ensemble</a:t>
             </a:r>
-            <a:endParaRPr lang="" altLang="en-US" sz="2800" b="1">
+            <a:endParaRPr lang="en-US" altLang="en-US" sz="2800" b="1">
               <a:latin typeface="Asana Math" panose="02000603000000000000" charset="0"/>
               <a:ea typeface="Asana Math" panose="02000603000000000000" charset="0"/>
               <a:cs typeface="+mn-lt"/>
@@ -7930,7 +7825,7 @@
               </a:rPr>
               <a:t>model = ensemble.RandomForestClassifier()</a:t>
             </a:r>
-            <a:endParaRPr lang="" altLang="en-US" sz="2800" b="1">
+            <a:endParaRPr lang="en-US" altLang="en-US" sz="2800" b="1">
               <a:latin typeface="Asana Math" panose="02000603000000000000" charset="0"/>
               <a:ea typeface="Asana Math" panose="02000603000000000000" charset="0"/>
               <a:cs typeface="+mn-lt"/>
@@ -7943,14 +7838,14 @@
               </a:lnSpc>
             </a:pPr>
             <a:r>
-              <a:rPr lang="" altLang="en-US" sz="2800" b="1">
+              <a:rPr lang="en-US" altLang="en-US" sz="2800" b="1">
                 <a:latin typeface="Asana Math" panose="02000603000000000000" charset="0"/>
                 <a:ea typeface="Asana Math" panose="02000603000000000000" charset="0"/>
                 <a:cs typeface="+mn-lt"/>
               </a:rPr>
               <a:t>model = ensemble.AdaBoostClassifier()</a:t>
             </a:r>
-            <a:endParaRPr lang="" altLang="en-US" sz="2800" b="1">
+            <a:endParaRPr lang="en-US" altLang="en-US" sz="2800" b="1">
               <a:latin typeface="Asana Math" panose="02000603000000000000" charset="0"/>
               <a:ea typeface="Asana Math" panose="02000603000000000000" charset="0"/>
               <a:cs typeface="+mn-lt"/>
@@ -7962,21 +7857,13 @@
                 <a:spcPct val="200000"/>
               </a:lnSpc>
             </a:pPr>
-            <a:r>
-              <a:rPr lang="" altLang="en-US" sz="2800" b="1">
-                <a:latin typeface="Asana Math" panose="02000603000000000000" charset="0"/>
-                <a:ea typeface="Asana Math" panose="02000603000000000000" charset="0"/>
-                <a:cs typeface="+mn-lt"/>
-              </a:rPr>
-              <a:t>model = </a:t>
-            </a:r>
             <a:r>
               <a:rPr lang="en-US" altLang="en-US" sz="2800" b="1">
                 <a:latin typeface="Asana Math" panose="02000603000000000000" charset="0"/>
                 <a:ea typeface="Asana Math" panose="02000603000000000000" charset="0"/>
                 <a:cs typeface="+mn-lt"/>
               </a:rPr>
-              <a:t>ensemble.GradientBoostingClassifier()</a:t>
+              <a:t>model = ensemble.GradientBoostingClassifier()</a:t>
             </a:r>
             <a:endParaRPr lang="en-US" altLang="en-US" sz="2800" b="1">
               <a:latin typeface="Asana Math" panose="02000603000000000000" charset="0"/>
@@ -8026,10 +7913,10 @@
           <a:bodyPr/>
           <a:p>
             <a:r>
-              <a:rPr lang="" altLang="en-US" b="1"/>
+              <a:rPr lang="en-US" altLang="en-US" b="1"/>
               <a:t>集成算法</a:t>
             </a:r>
-            <a:endParaRPr lang="" altLang="en-US" b="1"/>
+            <a:endParaRPr lang="en-US" altLang="en-US" b="1"/>
           </a:p>
         </p:txBody>
       </p:sp>
@@ -8064,9 +7951,13 @@
             </a:pPr>
             <a:r>
               <a:rPr altLang="en-US" sz="2200"/>
-              <a:t>决策树相当于一个大师，通过自己在数据集中学到的知识对于新的数据进行分类。</a:t>
-            </a:r>
-            <a:endParaRPr altLang="en-US" sz="2200"/>
+              <a:t>俗话说得好，</a:t>
+            </a:r>
+            <a:r>
+              <a:rPr altLang="en-US" sz="2200" b="1"/>
+              <a:t>一个诸葛亮，玩不过三个臭皮匠。</a:t>
+            </a:r>
+            <a:endParaRPr altLang="en-US" sz="2200" b="1"/>
           </a:p>
           <a:p>
             <a:pPr>
@@ -8077,7 +7968,7 @@
                 <a:spcPts val="0"/>
               </a:spcAft>
             </a:pPr>
-            <a:endParaRPr altLang="en-US" sz="2200"/>
+            <a:endParaRPr lang="en-US" altLang="en-US" sz="2200" b="1"/>
           </a:p>
           <a:p>
             <a:pPr>
@@ -8089,18 +7980,10 @@
               </a:spcAft>
             </a:pPr>
             <a:r>
-              <a:rPr altLang="en-US" sz="2200"/>
-              <a:t>但是俗话说得好，</a:t>
-            </a:r>
-            <a:r>
-              <a:rPr altLang="en-US" sz="2200" b="1"/>
-              <a:t>一个诸葛亮，玩不过三个臭皮匠。</a:t>
-            </a:r>
-            <a:r>
-              <a:rPr lang="" sz="2200"/>
+              <a:rPr lang="en-US" sz="2200"/>
               <a:t>如果你随机向几千个人询问一个复杂问题，汇总他们的回答，可能比专家回答的还好。</a:t>
             </a:r>
-            <a:endParaRPr lang="" sz="2200"/>
+            <a:endParaRPr lang="en-US" sz="2200"/>
           </a:p>
           <a:p>
             <a:pPr>
@@ -8123,16 +8006,44 @@
               </a:spcAft>
             </a:pPr>
             <a:r>
-              <a:rPr lang="" sz="2200"/>
-              <a:t>同样，如果你聚合一组预测器（分类或回归），得到的结果可能比最好的单个预测器还好。这样的方法被称为</a:t>
-            </a:r>
-            <a:r>
-              <a:rPr lang="" sz="2200" b="1"/>
-              <a:t>集成方法</a:t>
-            </a:r>
-            <a:r>
-              <a:rPr altLang="en-US" sz="2200" b="1"/>
-              <a:t>。</a:t>
+              <a:rPr lang="en-US" sz="2200"/>
+              <a:t>同样，如果你</a:t>
+            </a:r>
+            <a:r>
+              <a:rPr lang="en-US" altLang="en-US" sz="2200" b="1"/>
+              <a:t>集成</a:t>
+            </a:r>
+            <a:r>
+              <a:rPr lang="en-US" sz="2200"/>
+              <a:t>一组预测器（分类或回归），得到的结果可能比最好的单个预测器还好。</a:t>
+            </a:r>
+            <a:endParaRPr lang="en-US" sz="2200"/>
+          </a:p>
+          <a:p>
+            <a:pPr>
+              <a:lnSpc>
+                <a:spcPct val="120000"/>
+              </a:lnSpc>
+              <a:spcAft>
+                <a:spcPts val="0"/>
+              </a:spcAft>
+            </a:pPr>
+            <a:endParaRPr altLang="en-US" sz="2200" b="1"/>
+          </a:p>
+          <a:p>
+            <a:pPr>
+              <a:lnSpc>
+                <a:spcPct val="120000"/>
+              </a:lnSpc>
+              <a:spcAft>
+                <a:spcPts val="0"/>
+              </a:spcAft>
+            </a:pPr>
+            <a:r>
+              <a:rPr lang="en-US" altLang="en-US" sz="2200">
+                <a:sym typeface="+mn-ea"/>
+              </a:rPr>
+              <a:t>目前很多表现最好的算法是通过集成获得的。集成是一类很重要的方法</a:t>
             </a:r>
             <a:endParaRPr altLang="en-US" sz="2200" b="1"/>
           </a:p>
@@ -8361,6 +8272,55 @@
                       </p:childTnLst>
                     </p:cTn>
                   </p:par>
+                  <p:par>
+                    <p:cTn id="15" fill="hold">
+                      <p:stCondLst>
+                        <p:cond delay="indefinite"/>
+                      </p:stCondLst>
+                      <p:childTnLst>
+                        <p:par>
+                          <p:cTn id="16" fill="hold">
+                            <p:stCondLst>
+                              <p:cond delay="0"/>
+                            </p:stCondLst>
+                            <p:childTnLst>
+                              <p:par>
+                                <p:cTn id="17" presetID="1" presetClass="entr" presetSubtype="0" fill="hold" nodeType="clickEffect">
+                                  <p:stCondLst>
+                                    <p:cond delay="0"/>
+                                  </p:stCondLst>
+                                  <p:childTnLst>
+                                    <p:set>
+                                      <p:cBhvr>
+                                        <p:cTn id="18" dur="1" fill="hold">
+                                          <p:stCondLst>
+                                            <p:cond delay="0"/>
+                                          </p:stCondLst>
+                                        </p:cTn>
+                                        <p:tgtEl>
+                                          <p:spTgt spid="3">
+                                            <p:txEl>
+                                              <p:pRg st="6" end="6"/>
+                                            </p:txEl>
+                                          </p:spTgt>
+                                        </p:tgtEl>
+                                        <p:attrNameLst>
+                                          <p:attrName>style.visibility</p:attrName>
+                                        </p:attrNameLst>
+                                      </p:cBhvr>
+                                      <p:to>
+                                        <p:strVal val="visible"/>
+                                      </p:to>
+                                    </p:set>
+                                  </p:childTnLst>
+                                </p:cTn>
+                              </p:par>
+                            </p:childTnLst>
+                          </p:cTn>
+                        </p:par>
+                      </p:childTnLst>
+                    </p:cTn>
+                  </p:par>
                 </p:childTnLst>
               </p:cTn>
               <p:prevCondLst>
@@ -8421,26 +8381,16 @@
               </a:lnSpc>
             </a:pPr>
             <a:r>
-              <a:rPr lang="" altLang="en-US" sz="2800"/>
-              <a:t>目前很多表现最好的算法是通过集成获得的。所以集成</a:t>
-            </a:r>
-            <a:r>
               <a:rPr lang="en-US" altLang="en-US" sz="2800">
                 <a:sym typeface="+mn-ea"/>
               </a:rPr>
-              <a:t>是一类很重要的方法。</a:t>
-            </a:r>
-            <a:r>
-              <a:rPr lang="" altLang="en-US" sz="2800">
-                <a:sym typeface="+mn-ea"/>
-              </a:rPr>
-              <a:t>这次课我们讲</a:t>
-            </a:r>
-            <a:r>
-              <a:rPr lang="" altLang="en-US" sz="2800"/>
-              <a:t>三类：</a:t>
-            </a:r>
-            <a:endParaRPr lang="" altLang="en-US" sz="2800"/>
+              <a:t>我们讲</a:t>
+            </a:r>
+            <a:r>
+              <a:rPr lang="en-US" altLang="en-US" sz="2800"/>
+              <a:t>三种：</a:t>
+            </a:r>
+            <a:endParaRPr lang="en-US" altLang="en-US" sz="2800"/>
           </a:p>
         </p:txBody>
       </p:sp>
@@ -8474,10 +8424,10 @@
               </a:spcAft>
             </a:pPr>
             <a:r>
-              <a:rPr lang="" sz="3200" b="1"/>
+              <a:rPr lang="en-US" sz="3200" b="1"/>
               <a:t>随机森林（Random Forest）</a:t>
             </a:r>
-            <a:endParaRPr lang="" sz="3200" b="1"/>
+            <a:endParaRPr lang="en-US" sz="3200" b="1"/>
           </a:p>
           <a:p>
             <a:pPr>
@@ -8488,7 +8438,7 @@
                 <a:spcPts val="0"/>
               </a:spcAft>
             </a:pPr>
-            <a:endParaRPr lang="" sz="3200" b="1"/>
+            <a:endParaRPr lang="en-US" sz="3200" b="1"/>
           </a:p>
           <a:p>
             <a:pPr>
@@ -8500,10 +8450,10 @@
               </a:spcAft>
             </a:pPr>
             <a:r>
-              <a:rPr lang="" sz="3200" b="1"/>
+              <a:rPr lang="en-US" sz="3200" b="1"/>
               <a:t>自适应提升法（AdaBoost）</a:t>
             </a:r>
-            <a:endParaRPr lang="" sz="3200" b="1"/>
+            <a:endParaRPr lang="en-US" sz="3200" b="1"/>
           </a:p>
           <a:p>
             <a:pPr>
@@ -8514,7 +8464,7 @@
                 <a:spcPts val="0"/>
               </a:spcAft>
             </a:pPr>
-            <a:endParaRPr lang="" sz="3200" b="1"/>
+            <a:endParaRPr lang="en-US" sz="3200" b="1"/>
           </a:p>
           <a:p>
             <a:pPr>
@@ -8526,10 +8476,10 @@
               </a:spcAft>
             </a:pPr>
             <a:r>
-              <a:rPr lang="" sz="3200" b="1"/>
+              <a:rPr lang="en-US" sz="3200" b="1"/>
               <a:t>梯度提升（Gradient Boost, GBDT）</a:t>
             </a:r>
-            <a:endParaRPr lang="" sz="3200" b="1"/>
+            <a:endParaRPr lang="en-US" sz="3200" b="1"/>
           </a:p>
         </p:txBody>
       </p:sp>
@@ -8743,10 +8693,10 @@
           <a:bodyPr/>
           <a:p>
             <a:r>
-              <a:rPr lang="" altLang="en-US" sz="3600" b="1"/>
+              <a:rPr lang="en-US" altLang="en-US" sz="3600" b="1"/>
               <a:t>投票分类器</a:t>
             </a:r>
-            <a:endParaRPr lang="" altLang="en-US" sz="3600" b="1"/>
+            <a:endParaRPr lang="en-US" altLang="en-US" sz="3600" b="1"/>
           </a:p>
         </p:txBody>
       </p:sp>
@@ -8780,18 +8730,30 @@
               </a:spcAft>
             </a:pPr>
             <a:r>
-              <a:rPr lang="" sz="2200"/>
-              <a:t>假如你已经训练好了很多个分类器，要创建一个更好的分类器，最简单的方法就是聚合每个分类器的预测，然后将票最多的结果作为预测类别。这称为</a:t>
-            </a:r>
-            <a:r>
-              <a:rPr lang="" sz="2200" b="1"/>
-              <a:t>投票分类器</a:t>
-            </a:r>
-            <a:r>
-              <a:rPr lang="" sz="2200"/>
-              <a:t>。</a:t>
-            </a:r>
-            <a:endParaRPr lang="" sz="2200"/>
+              <a:rPr lang="en-US" altLang="en-US" sz="2200"/>
+              <a:t>训练好很多个分类器，</a:t>
+            </a:r>
+            <a:r>
+              <a:rPr lang="en-US" sz="2200"/>
+              <a:t>聚合</a:t>
+            </a:r>
+            <a:r>
+              <a:rPr lang="en-US" altLang="en-US" sz="2200"/>
+              <a:t>所有</a:t>
+            </a:r>
+            <a:r>
+              <a:rPr lang="en-US" sz="2200"/>
+              <a:t>预测，然后将</a:t>
+            </a:r>
+            <a:r>
+              <a:rPr lang="en-US" altLang="en-US" sz="2200"/>
+              <a:t>得</a:t>
+            </a:r>
+            <a:r>
+              <a:rPr lang="en-US" sz="2200"/>
+              <a:t>票最多的结果作为预测类别。</a:t>
+            </a:r>
+            <a:endParaRPr lang="en-US" sz="2200"/>
           </a:p>
           <a:p>
             <a:pPr>
@@ -8802,7 +8764,7 @@
                 <a:spcPts val="0"/>
               </a:spcAft>
             </a:pPr>
-            <a:endParaRPr lang="" sz="2200"/>
+            <a:endParaRPr lang="en-US" sz="2200"/>
           </a:p>
           <a:p>
             <a:pPr>
@@ -8814,10 +8776,18 @@
               </a:spcAft>
             </a:pPr>
             <a:r>
-              <a:rPr lang="" sz="2200"/>
-              <a:t>你会有些惊讶地发现，投票分类器的准确率通常比集成中最好的分类器还要高。</a:t>
-            </a:r>
-            <a:endParaRPr lang="" sz="2200"/>
+              <a:rPr lang="en-US" sz="2200"/>
+              <a:t>你会有些惊讶地发现，准确率通常比</a:t>
+            </a:r>
+            <a:r>
+              <a:rPr lang="en-US" altLang="en-US" sz="2200"/>
+              <a:t>参加集成的</a:t>
+            </a:r>
+            <a:r>
+              <a:rPr lang="en-US" sz="2200"/>
+              <a:t>最好的分类器还要高。</a:t>
+            </a:r>
+            <a:endParaRPr lang="en-US" sz="2200"/>
           </a:p>
           <a:p>
             <a:pPr>
@@ -8828,7 +8798,7 @@
                 <a:spcPts val="0"/>
               </a:spcAft>
             </a:pPr>
-            <a:endParaRPr lang="" sz="2200"/>
+            <a:endParaRPr lang="en-US" sz="2200"/>
           </a:p>
           <a:p>
             <a:pPr>
@@ -8840,26 +8810,34 @@
               </a:spcAft>
             </a:pPr>
             <a:r>
-              <a:rPr lang="" sz="2200"/>
-              <a:t>事实上，即使每个分类器都是</a:t>
-            </a:r>
-            <a:r>
-              <a:rPr lang="" sz="2200" b="1"/>
+              <a:rPr lang="en-US" sz="2200"/>
+              <a:t>即使每个分类器都是</a:t>
+            </a:r>
+            <a:r>
+              <a:rPr lang="en-US" sz="2200" b="1"/>
               <a:t>弱学习器</a:t>
             </a:r>
             <a:r>
-              <a:rPr lang="" sz="2200"/>
-              <a:t>（仅比随机猜测好一点），通过集成仍然可以实现一个</a:t>
-            </a:r>
-            <a:r>
-              <a:rPr lang="" sz="2200" b="1"/>
+              <a:rPr lang="en-US" sz="2200"/>
+              <a:t>（仅比随机猜测好一点），通过集成</a:t>
+            </a:r>
+            <a:r>
+              <a:rPr lang="en-US" altLang="en-US" sz="2200"/>
+              <a:t>，</a:t>
+            </a:r>
+            <a:r>
+              <a:rPr lang="en-US" sz="2200"/>
+              <a:t>仍然可以实现一个</a:t>
+            </a:r>
+            <a:r>
+              <a:rPr lang="en-US" sz="2200" b="1"/>
               <a:t>强学习器</a:t>
             </a:r>
             <a:r>
-              <a:rPr lang="" sz="2200"/>
+              <a:rPr lang="en-US" sz="2200"/>
               <a:t>（高准确率）。</a:t>
             </a:r>
-            <a:endParaRPr lang="" sz="2200"/>
+            <a:endParaRPr lang="en-US" sz="2200"/>
           </a:p>
         </p:txBody>
       </p:sp>
@@ -9097,10 +9075,10 @@
           <a:bodyPr/>
           <a:p>
             <a:r>
-              <a:rPr lang="" altLang="en-US" sz="3600" b="1"/>
+              <a:rPr lang="en-US" altLang="en-US" sz="3600" b="1"/>
               <a:t>一个类比说明</a:t>
             </a:r>
-            <a:endParaRPr lang="" altLang="en-US" sz="3600" b="1"/>
+            <a:endParaRPr lang="en-US" altLang="en-US" sz="3600" b="1"/>
           </a:p>
         </p:txBody>
       </p:sp>
@@ -9117,7 +9095,7 @@
         <p:spPr>
           <a:xfrm>
             <a:off x="838200" y="1825625"/>
-            <a:ext cx="7063105" cy="4793615"/>
+            <a:ext cx="7322820" cy="4793615"/>
           </a:xfrm>
         </p:spPr>
         <p:txBody>
@@ -9134,10 +9112,10 @@
               </a:spcAft>
             </a:pPr>
             <a:r>
-              <a:rPr lang="" altLang="en-US" sz="2200"/>
-              <a:t>下面举一个类比说明这件事情的可能性。</a:t>
-            </a:r>
-            <a:endParaRPr lang="" altLang="en-US" sz="2200"/>
+              <a:rPr lang="en-US" altLang="en-US" sz="2200"/>
+              <a:t>假设你有一个略微不对称的硬币，投掷它有51%的可能性正面，49%的可能背面。</a:t>
+            </a:r>
+            <a:endParaRPr lang="en-US" altLang="en-US" sz="2200"/>
           </a:p>
           <a:p>
             <a:pPr>
@@ -9148,7 +9126,7 @@
                 <a:spcPts val="0"/>
               </a:spcAft>
             </a:pPr>
-            <a:endParaRPr lang="en-US" sz="2200"/>
+            <a:endParaRPr lang="en-US" altLang="en-US" sz="2200"/>
           </a:p>
           <a:p>
             <a:pPr>
@@ -9160,10 +9138,10 @@
               </a:spcAft>
             </a:pPr>
             <a:r>
-              <a:rPr lang="" altLang="en-US" sz="2200"/>
-              <a:t>假设你有一个略微不对称的硬币，投掷它有51%的可能性正面，49%的可能背面。如果你掷1000次，差不多会得到510次正面和490次背面。</a:t>
-            </a:r>
-            <a:endParaRPr lang="" altLang="en-US" sz="2200"/>
+              <a:rPr lang="en-US" altLang="en-US" sz="2200"/>
+              <a:t>如果你掷1000次，差不多会得到510次正面和490次背面。</a:t>
+            </a:r>
+            <a:endParaRPr lang="en-US" altLang="en-US" sz="2200"/>
           </a:p>
           <a:p>
             <a:pPr>
@@ -9174,7 +9152,7 @@
                 <a:spcPts val="0"/>
               </a:spcAft>
             </a:pPr>
-            <a:endParaRPr lang="" altLang="en-US" sz="2200"/>
+            <a:endParaRPr lang="en-US" altLang="en-US" sz="2200"/>
           </a:p>
           <a:p>
             <a:pPr>
@@ -9186,8 +9164,34 @@
               </a:spcAft>
             </a:pPr>
             <a:r>
-              <a:rPr lang="" altLang="en-US" sz="2200"/>
-              <a:t>事实上，如果你会计算方差，你会发现“1000次投掷，大多数为正面”的概率接近75%。投掷次数越多，概率越高（如果你投10000次，概率攀升至97%）。</a:t>
+              <a:rPr lang="en-US" altLang="en-US" sz="2200"/>
+              <a:t>事实上，如果你会计算方差，你会发现“1000次投掷，大多数为正面”的概率接近75%。</a:t>
+            </a:r>
+            <a:endParaRPr lang="en-US" altLang="en-US" sz="2200"/>
+          </a:p>
+          <a:p>
+            <a:pPr>
+              <a:lnSpc>
+                <a:spcPct val="120000"/>
+              </a:lnSpc>
+              <a:spcAft>
+                <a:spcPts val="0"/>
+              </a:spcAft>
+            </a:pPr>
+            <a:endParaRPr lang="en-US" altLang="en-US" sz="2200"/>
+          </a:p>
+          <a:p>
+            <a:pPr>
+              <a:lnSpc>
+                <a:spcPct val="120000"/>
+              </a:lnSpc>
+              <a:spcAft>
+                <a:spcPts val="0"/>
+              </a:spcAft>
+            </a:pPr>
+            <a:r>
+              <a:rPr lang="en-US" altLang="en-US" sz="2200"/>
+              <a:t>投掷次数越多，概率越高（如果你投10000次，概率攀升至97%）。</a:t>
             </a:r>
             <a:endParaRPr lang="en-US" sz="2200"/>
           </a:p>
@@ -9209,8 +9213,8 @@
         </p:blipFill>
         <p:spPr>
           <a:xfrm>
-            <a:off x="7963535" y="2721610"/>
-            <a:ext cx="4063365" cy="2293620"/>
+            <a:off x="8295005" y="2846705"/>
+            <a:ext cx="3848735" cy="2172335"/>
           </a:xfrm>
           <a:prstGeom prst="rect">
             <a:avLst/>
@@ -9377,6 +9381,55 @@
                       </p:childTnLst>
                     </p:cTn>
                   </p:par>
+                  <p:par>
+                    <p:cTn id="15" fill="hold">
+                      <p:stCondLst>
+                        <p:cond delay="indefinite"/>
+                      </p:stCondLst>
+                      <p:childTnLst>
+                        <p:par>
+                          <p:cTn id="16" fill="hold">
+                            <p:stCondLst>
+                              <p:cond delay="0"/>
+                            </p:stCondLst>
+                            <p:childTnLst>
+                              <p:par>
+                                <p:cTn id="17" presetID="1" presetClass="entr" presetSubtype="0" fill="hold" nodeType="clickEffect">
+                                  <p:stCondLst>
+                                    <p:cond delay="0"/>
+                                  </p:stCondLst>
+                                  <p:childTnLst>
+                                    <p:set>
+                                      <p:cBhvr>
+                                        <p:cTn id="18" dur="1" fill="hold">
+                                          <p:stCondLst>
+                                            <p:cond delay="0"/>
+                                          </p:stCondLst>
+                                        </p:cTn>
+                                        <p:tgtEl>
+                                          <p:spTgt spid="3">
+                                            <p:txEl>
+                                              <p:pRg st="6" end="6"/>
+                                            </p:txEl>
+                                          </p:spTgt>
+                                        </p:tgtEl>
+                                        <p:attrNameLst>
+                                          <p:attrName>style.visibility</p:attrName>
+                                        </p:attrNameLst>
+                                      </p:cBhvr>
+                                      <p:to>
+                                        <p:strVal val="visible"/>
+                                      </p:to>
+                                    </p:set>
+                                  </p:childTnLst>
+                                </p:cTn>
+                              </p:par>
+                            </p:childTnLst>
+                          </p:cTn>
+                        </p:par>
+                      </p:childTnLst>
+                    </p:cTn>
+                  </p:par>
                 </p:childTnLst>
               </p:cTn>
               <p:prevCondLst>
@@ -9464,10 +9517,10 @@
               </a:spcAft>
             </a:pPr>
             <a:r>
-              <a:rPr lang="" altLang="en-US" sz="2200"/>
-              <a:t>同样，如果你创建了一个包含1000个分类器的集成，每个分类器只有51%的几率是正确的（几乎没比随机猜强多少），但如果以大多数投票的类别作为预测结果，你仍然可以得到75%的准确率。</a:t>
-            </a:r>
-            <a:endParaRPr lang="" altLang="en-US" sz="2200"/>
+              <a:rPr lang="en-US" altLang="en-US" sz="2200"/>
+              <a:t>如果你创建了一个包含1000个分类器的集成，即使每个分类器只有51%的几率是正确的（几乎没比随机猜强多少），你仍然可以得到75%的准确率。</a:t>
+            </a:r>
+            <a:endParaRPr lang="en-US" altLang="en-US" sz="2200"/>
           </a:p>
           <a:p>
             <a:pPr>
@@ -9478,7 +9531,7 @@
                 <a:spcPts val="0"/>
               </a:spcAft>
             </a:pPr>
-            <a:endParaRPr lang="" altLang="en-US" sz="2200"/>
+            <a:endParaRPr lang="en-US" altLang="en-US" sz="2200"/>
           </a:p>
           <a:p>
             <a:pPr>
@@ -9490,18 +9543,14 @@
               </a:spcAft>
             </a:pPr>
             <a:r>
-              <a:rPr lang="" altLang="en-US" sz="2200"/>
-              <a:t>当然，</a:t>
-            </a:r>
-            <a:r>
-              <a:rPr lang="" altLang="en-US" sz="2200" b="1"/>
+              <a:rPr lang="en-US" altLang="en-US" sz="2200" b="1"/>
               <a:t>上述论断的前提是：所有分类器是独立的，彼此的错误毫不相关。</a:t>
             </a:r>
             <a:r>
-              <a:rPr lang="" altLang="en-US" sz="2200"/>
-              <a:t>如果因为某种原因所有分类器倾向于犯同样的错误，集成的准确率会降低。</a:t>
-            </a:r>
-            <a:endParaRPr lang="" altLang="en-US" sz="2200"/>
+              <a:rPr lang="en-US" altLang="en-US" sz="2200"/>
+              <a:t>事实上，常常因为某种原因，所有分类器倾向于犯同样的错误。集成的准确率会降低。</a:t>
+            </a:r>
+            <a:endParaRPr lang="en-US" altLang="en-US" sz="2200"/>
           </a:p>
         </p:txBody>
       </p:sp>
@@ -9820,10 +9869,10 @@
           <a:bodyPr/>
           <a:p>
             <a:r>
-              <a:rPr lang="" altLang="en-US" sz="3600" b="1"/>
-              <a:t>随机森林（Random Forest）生成步骤</a:t>
-            </a:r>
-            <a:endParaRPr lang="" altLang="en-US" sz="3600" b="1"/>
+              <a:rPr lang="en-US" altLang="en-US" sz="3200" b="1"/>
+              <a:t>基于决策树的随机森林（Random Forest）生成步骤</a:t>
+            </a:r>
+            <a:endParaRPr lang="en-US" altLang="en-US" sz="3200" b="1"/>
           </a:p>
         </p:txBody>
       </p:sp>
@@ -9882,25 +9931,19 @@
               <a:buNone/>
             </a:pPr>
             <a:r>
-              <a:rPr lang="" altLang="en-US" sz="1800">
+              <a:rPr lang="en-US" altLang="en-US" sz="1800" b="1">
                 <a:sym typeface="+mn-ea"/>
               </a:rPr>
-              <a:t>1. </a:t>
-            </a:r>
-            <a:r>
-              <a:rPr lang="en-US" altLang="en-US" sz="1800">
-                <a:sym typeface="+mn-ea"/>
-              </a:rPr>
-              <a:t>从</a:t>
-            </a:r>
-            <a:r>
-              <a:rPr lang="en-US" sz="1800">
+              <a:t>1. 从</a:t>
+            </a:r>
+            <a:r>
+              <a:rPr lang="en-US" sz="1800" b="1">
                 <a:sym typeface="+mn-ea"/>
               </a:rPr>
               <a:t>原始的数据集构造子数据集</a:t>
             </a:r>
             <a:r>
-              <a:rPr lang="" altLang="en-US" sz="1800">
+              <a:rPr lang="en-US" altLang="en-US" sz="1800" b="1">
                 <a:sym typeface="+mn-ea"/>
               </a:rPr>
               <a:t>，分配给不同决策树。</a:t>
@@ -9934,7 +9977,7 @@
               <a:buNone/>
             </a:pPr>
             <a:r>
-              <a:rPr lang="" altLang="en-US" sz="1800">
+              <a:rPr lang="en-US" altLang="en-US" sz="1800">
                 <a:sym typeface="+mn-ea"/>
               </a:rPr>
               <a:t> * 如果采用</a:t>
@@ -9946,7 +9989,7 @@
               <a:t>有放回抽样</a:t>
             </a:r>
             <a:r>
-              <a:rPr lang="" altLang="en-US" sz="1800">
+              <a:rPr lang="en-US" altLang="en-US" sz="1800">
                 <a:sym typeface="+mn-ea"/>
               </a:rPr>
               <a:t>——也就是同一</a:t>
@@ -9958,24 +10001,24 @@
               <a:t>子数据集的元素可以重复</a:t>
             </a:r>
             <a:r>
-              <a:rPr lang="" altLang="en-US" sz="1800">
+              <a:rPr lang="en-US" altLang="en-US" sz="1800">
                 <a:sym typeface="+mn-ea"/>
               </a:rPr>
               <a:t>——称为</a:t>
             </a:r>
             <a:r>
-              <a:rPr lang="" altLang="en-US" sz="1800" b="1">
+              <a:rPr lang="en-US" altLang="en-US" sz="1800" b="1">
                 <a:sym typeface="+mn-ea"/>
               </a:rPr>
               <a:t>bagging(bootstrap aggregating)</a:t>
             </a:r>
             <a:r>
-              <a:rPr lang="" altLang="en-US" sz="1800">
+              <a:rPr lang="en-US" altLang="en-US" sz="1800">
                 <a:sym typeface="+mn-ea"/>
               </a:rPr>
               <a:t>；</a:t>
             </a:r>
-            <a:endParaRPr lang="" altLang="en-US" sz="1800">
+            <a:endParaRPr lang="en-US" altLang="en-US" sz="1800">
               <a:sym typeface="+mn-ea"/>
             </a:endParaRPr>
           </a:p>
@@ -9989,7 +10032,7 @@
               </a:spcAft>
               <a:buNone/>
             </a:pPr>
-            <a:endParaRPr lang="" altLang="en-US" sz="1800">
+            <a:endParaRPr lang="en-US" altLang="en-US" sz="1800">
               <a:sym typeface="+mn-ea"/>
             </a:endParaRPr>
           </a:p>
@@ -10004,36 +10047,36 @@
               <a:buNone/>
             </a:pPr>
             <a:r>
-              <a:rPr lang="" altLang="en-US" sz="1800">
+              <a:rPr lang="en-US" altLang="en-US" sz="1800">
                 <a:sym typeface="+mn-ea"/>
               </a:rPr>
               <a:t> * 如果采用</a:t>
             </a:r>
             <a:r>
-              <a:rPr lang="" altLang="en-US" sz="1800" b="1">
+              <a:rPr lang="en-US" altLang="en-US" sz="1800" b="1">
                 <a:sym typeface="+mn-ea"/>
               </a:rPr>
               <a:t>无放回抽样</a:t>
             </a:r>
             <a:r>
-              <a:rPr lang="" altLang="en-US" sz="1800">
+              <a:rPr lang="en-US" altLang="en-US" sz="1800">
                 <a:sym typeface="+mn-ea"/>
               </a:rPr>
               <a:t>，则称为 </a:t>
             </a:r>
             <a:r>
-              <a:rPr lang="" altLang="en-US" sz="1800" b="1">
+              <a:rPr lang="en-US" altLang="en-US" sz="1800" b="1">
                 <a:sym typeface="+mn-ea"/>
               </a:rPr>
               <a:t>pasting</a:t>
             </a:r>
             <a:r>
-              <a:rPr lang="" altLang="en-US" sz="1800">
+              <a:rPr lang="en-US" altLang="en-US" sz="1800">
                 <a:sym typeface="+mn-ea"/>
               </a:rPr>
               <a:t>。</a:t>
             </a:r>
-            <a:endParaRPr lang="" altLang="en-US" sz="1800">
+            <a:endParaRPr lang="en-US" altLang="en-US" sz="1800">
               <a:sym typeface="+mn-ea"/>
             </a:endParaRPr>
           </a:p>
@@ -10047,7 +10090,7 @@
               </a:spcAft>
               <a:buNone/>
             </a:pPr>
-            <a:endParaRPr lang="" altLang="en-US" sz="1800"/>
+            <a:endParaRPr lang="en-US" altLang="en-US" sz="1800"/>
           </a:p>
           <a:p>
             <a:pPr marL="0" indent="0">
@@ -10060,15 +10103,15 @@
               <a:buNone/>
             </a:pPr>
             <a:r>
-              <a:rPr lang="" altLang="en-US" sz="1800"/>
+              <a:rPr lang="en-US" altLang="en-US" sz="1800"/>
               <a:t>一般地，两种抽样都</a:t>
             </a:r>
             <a:r>
-              <a:rPr lang="" altLang="en-US" sz="1800" b="1"/>
+              <a:rPr lang="en-US" altLang="en-US" sz="1800" b="1"/>
               <a:t>允许</a:t>
             </a:r>
             <a:r>
-              <a:rPr lang="" altLang="en-US" sz="1800"/>
+              <a:rPr lang="en-US" altLang="en-US" sz="1800"/>
               <a:t>不同子数据集元素重复。</a:t>
             </a:r>
             <a:endParaRPr lang="en-US" sz="1800"/>
@@ -10083,7 +10126,7 @@
               </a:spcAft>
               <a:buNone/>
             </a:pPr>
-            <a:endParaRPr lang="" altLang="en-US" sz="1800"/>
+            <a:endParaRPr lang="en-US" altLang="en-US" sz="1800"/>
           </a:p>
         </p:txBody>
       </p:sp>
